--- a/解説用スライド.pptx
+++ b/解説用スライド.pptx
@@ -6,16 +6,17 @@
     <p:sldMasterId id="2147483672" r:id="rId2"/>
   </p:sldMasterIdLst>
   <p:notesMasterIdLst>
-    <p:notesMasterId r:id="rId5"/>
+    <p:notesMasterId r:id="rId6"/>
   </p:notesMasterIdLst>
   <p:sldIdLst>
     <p:sldId id="259" r:id="rId3"/>
     <p:sldId id="257" r:id="rId4"/>
+    <p:sldId id="260" r:id="rId5"/>
   </p:sldIdLst>
   <p:sldSz cx="12192000" cy="6858000"/>
   <p:notesSz cx="6888163" cy="10018713"/>
   <p:custDataLst>
-    <p:tags r:id="rId6"/>
+    <p:tags r:id="rId7"/>
   </p:custDataLst>
   <p:defaultTextStyle>
     <a:defPPr>
@@ -7826,7 +7827,7 @@
         </p:blipFill>
         <p:spPr>
           <a:xfrm>
-            <a:off x="3143672" y="1628800"/>
+            <a:off x="2567608" y="2677588"/>
             <a:ext cx="1703944" cy="1502823"/>
           </a:xfrm>
           <a:prstGeom prst="rect">
@@ -7856,7 +7857,7 @@
         </p:blipFill>
         <p:spPr>
           <a:xfrm>
-            <a:off x="7464943" y="1910709"/>
+            <a:off x="7202059" y="1892618"/>
             <a:ext cx="2733675" cy="2486025"/>
           </a:xfrm>
           <a:prstGeom prst="rect">
@@ -7866,10 +7867,10 @@
       </p:pic>
       <p:pic>
         <p:nvPicPr>
-          <p:cNvPr id="22" name="図 21">
+          <p:cNvPr id="13" name="コンテンツ プレースホルダー 11">
             <a:extLst>
               <a:ext uri="{FF2B5EF4-FFF2-40B4-BE49-F238E27FC236}">
-                <a16:creationId xmlns:a16="http://schemas.microsoft.com/office/drawing/2014/main" id="{C6579B76-E312-46D2-BD52-03507277FCD3}"/>
+                <a16:creationId xmlns:a16="http://schemas.microsoft.com/office/drawing/2014/main" id="{81A2B2DE-8EB6-4892-9BEE-2E1E4277A086}"/>
               </a:ext>
             </a:extLst>
           </p:cNvPr>
@@ -7879,87 +7880,27 @@
           <p:nvPr/>
         </p:nvPicPr>
         <p:blipFill>
-          <a:blip r:embed="rId4"/>
+          <a:blip r:embed="rId2"/>
           <a:stretch>
             <a:fillRect/>
           </a:stretch>
         </p:blipFill>
         <p:spPr>
           <a:xfrm>
-            <a:off x="2971829" y="1384392"/>
-            <a:ext cx="554143" cy="821768"/>
+            <a:off x="5563142" y="4180411"/>
+            <a:ext cx="1643051" cy="1449117"/>
           </a:xfrm>
           <a:prstGeom prst="rect">
             <a:avLst/>
           </a:prstGeom>
         </p:spPr>
       </p:pic>
-      <p:pic>
-        <p:nvPicPr>
-          <p:cNvPr id="23" name="図 22">
+      <p:sp>
+        <p:nvSpPr>
+          <p:cNvPr id="2" name="フリーフォーム: 図形 1">
             <a:extLst>
               <a:ext uri="{FF2B5EF4-FFF2-40B4-BE49-F238E27FC236}">
-                <a16:creationId xmlns:a16="http://schemas.microsoft.com/office/drawing/2014/main" id="{525373CC-563F-409D-8C41-C94CDC6ACAC2}"/>
-              </a:ext>
-            </a:extLst>
-          </p:cNvPr>
-          <p:cNvPicPr>
-            <a:picLocks noChangeAspect="1"/>
-          </p:cNvPicPr>
-          <p:nvPr/>
-        </p:nvPicPr>
-        <p:blipFill>
-          <a:blip r:embed="rId5"/>
-          <a:stretch>
-            <a:fillRect/>
-          </a:stretch>
-        </p:blipFill>
-        <p:spPr>
-          <a:xfrm>
-            <a:off x="1071256" y="2773634"/>
-            <a:ext cx="1703944" cy="1623100"/>
-          </a:xfrm>
-          <a:prstGeom prst="rect">
-            <a:avLst/>
-          </a:prstGeom>
-        </p:spPr>
-      </p:pic>
-      <p:pic>
-        <p:nvPicPr>
-          <p:cNvPr id="24" name="図 23">
-            <a:extLst>
-              <a:ext uri="{FF2B5EF4-FFF2-40B4-BE49-F238E27FC236}">
-                <a16:creationId xmlns:a16="http://schemas.microsoft.com/office/drawing/2014/main" id="{50CEE92B-B5B2-4C4F-973F-D745AE29023E}"/>
-              </a:ext>
-            </a:extLst>
-          </p:cNvPr>
-          <p:cNvPicPr>
-            <a:picLocks noChangeAspect="1"/>
-          </p:cNvPicPr>
-          <p:nvPr/>
-        </p:nvPicPr>
-        <p:blipFill>
-          <a:blip r:embed="rId6"/>
-          <a:stretch>
-            <a:fillRect/>
-          </a:stretch>
-        </p:blipFill>
-        <p:spPr>
-          <a:xfrm>
-            <a:off x="3521196" y="3578221"/>
-            <a:ext cx="1770077" cy="1118620"/>
-          </a:xfrm>
-          <a:prstGeom prst="rect">
-            <a:avLst/>
-          </a:prstGeom>
-        </p:spPr>
-      </p:pic>
-      <p:sp>
-        <p:nvSpPr>
-          <p:cNvPr id="27" name="楕円 26">
-            <a:extLst>
-              <a:ext uri="{FF2B5EF4-FFF2-40B4-BE49-F238E27FC236}">
-                <a16:creationId xmlns:a16="http://schemas.microsoft.com/office/drawing/2014/main" id="{13FA5414-B5DE-4E21-A3C0-FBB270D6C7FA}"/>
+                <a16:creationId xmlns:a16="http://schemas.microsoft.com/office/drawing/2014/main" id="{2738CE04-0CC1-49B6-8E91-2D8781943A04}"/>
               </a:ext>
             </a:extLst>
           </p:cNvPr>
@@ -7968,12 +7909,241 @@
         </p:nvSpPr>
         <p:spPr>
           <a:xfrm>
-            <a:off x="7534873" y="4840718"/>
-            <a:ext cx="2575421" cy="814531"/>
+            <a:off x="6911472" y="3624044"/>
+            <a:ext cx="659684" cy="1782867"/>
           </a:xfrm>
-          <a:prstGeom prst="ellipse">
+          <a:custGeom>
             <a:avLst/>
-          </a:prstGeom>
+            <a:gdLst>
+              <a:gd name="connsiteX0" fmla="*/ 1056 w 659684"/>
+              <a:gd name="connsiteY0" fmla="*/ 1719743 h 1782867"/>
+              <a:gd name="connsiteX1" fmla="*/ 9445 w 659684"/>
+              <a:gd name="connsiteY1" fmla="*/ 1770077 h 1782867"/>
+              <a:gd name="connsiteX2" fmla="*/ 227559 w 659684"/>
+              <a:gd name="connsiteY2" fmla="*/ 1702965 h 1782867"/>
+              <a:gd name="connsiteX3" fmla="*/ 361783 w 659684"/>
+              <a:gd name="connsiteY3" fmla="*/ 1635853 h 1782867"/>
+              <a:gd name="connsiteX4" fmla="*/ 420506 w 659684"/>
+              <a:gd name="connsiteY4" fmla="*/ 1602297 h 1782867"/>
+              <a:gd name="connsiteX5" fmla="*/ 462451 w 659684"/>
+              <a:gd name="connsiteY5" fmla="*/ 1560352 h 1782867"/>
+              <a:gd name="connsiteX6" fmla="*/ 529563 w 659684"/>
+              <a:gd name="connsiteY6" fmla="*/ 1484851 h 1782867"/>
+              <a:gd name="connsiteX7" fmla="*/ 596675 w 659684"/>
+              <a:gd name="connsiteY7" fmla="*/ 1325461 h 1782867"/>
+              <a:gd name="connsiteX8" fmla="*/ 613453 w 659684"/>
+              <a:gd name="connsiteY8" fmla="*/ 1249960 h 1782867"/>
+              <a:gd name="connsiteX9" fmla="*/ 638620 w 659684"/>
+              <a:gd name="connsiteY9" fmla="*/ 1182848 h 1782867"/>
+              <a:gd name="connsiteX10" fmla="*/ 638620 w 659684"/>
+              <a:gd name="connsiteY10" fmla="*/ 645952 h 1782867"/>
+              <a:gd name="connsiteX11" fmla="*/ 613453 w 659684"/>
+              <a:gd name="connsiteY11" fmla="*/ 595618 h 1782867"/>
+              <a:gd name="connsiteX12" fmla="*/ 554730 w 659684"/>
+              <a:gd name="connsiteY12" fmla="*/ 528506 h 1782867"/>
+              <a:gd name="connsiteX13" fmla="*/ 521174 w 659684"/>
+              <a:gd name="connsiteY13" fmla="*/ 478173 h 1782867"/>
+              <a:gd name="connsiteX14" fmla="*/ 412117 w 659684"/>
+              <a:gd name="connsiteY14" fmla="*/ 385894 h 1782867"/>
+              <a:gd name="connsiteX15" fmla="*/ 378561 w 659684"/>
+              <a:gd name="connsiteY15" fmla="*/ 335560 h 1782867"/>
+              <a:gd name="connsiteX16" fmla="*/ 345005 w 659684"/>
+              <a:gd name="connsiteY16" fmla="*/ 234892 h 1782867"/>
+              <a:gd name="connsiteX17" fmla="*/ 378561 w 659684"/>
+              <a:gd name="connsiteY17" fmla="*/ 58723 h 1782867"/>
+              <a:gd name="connsiteX18" fmla="*/ 412117 w 659684"/>
+              <a:gd name="connsiteY18" fmla="*/ 25167 h 1782867"/>
+              <a:gd name="connsiteX19" fmla="*/ 487618 w 659684"/>
+              <a:gd name="connsiteY19" fmla="*/ 0 h 1782867"/>
+              <a:gd name="connsiteX20" fmla="*/ 571508 w 659684"/>
+              <a:gd name="connsiteY20" fmla="*/ 8389 h 1782867"/>
+              <a:gd name="connsiteX21" fmla="*/ 596675 w 659684"/>
+              <a:gd name="connsiteY21" fmla="*/ 33556 h 1782867"/>
+            </a:gdLst>
+            <a:ahLst/>
+            <a:cxnLst>
+              <a:cxn ang="0">
+                <a:pos x="connsiteX0" y="connsiteY0"/>
+              </a:cxn>
+              <a:cxn ang="0">
+                <a:pos x="connsiteX1" y="connsiteY1"/>
+              </a:cxn>
+              <a:cxn ang="0">
+                <a:pos x="connsiteX2" y="connsiteY2"/>
+              </a:cxn>
+              <a:cxn ang="0">
+                <a:pos x="connsiteX3" y="connsiteY3"/>
+              </a:cxn>
+              <a:cxn ang="0">
+                <a:pos x="connsiteX4" y="connsiteY4"/>
+              </a:cxn>
+              <a:cxn ang="0">
+                <a:pos x="connsiteX5" y="connsiteY5"/>
+              </a:cxn>
+              <a:cxn ang="0">
+                <a:pos x="connsiteX6" y="connsiteY6"/>
+              </a:cxn>
+              <a:cxn ang="0">
+                <a:pos x="connsiteX7" y="connsiteY7"/>
+              </a:cxn>
+              <a:cxn ang="0">
+                <a:pos x="connsiteX8" y="connsiteY8"/>
+              </a:cxn>
+              <a:cxn ang="0">
+                <a:pos x="connsiteX9" y="connsiteY9"/>
+              </a:cxn>
+              <a:cxn ang="0">
+                <a:pos x="connsiteX10" y="connsiteY10"/>
+              </a:cxn>
+              <a:cxn ang="0">
+                <a:pos x="connsiteX11" y="connsiteY11"/>
+              </a:cxn>
+              <a:cxn ang="0">
+                <a:pos x="connsiteX12" y="connsiteY12"/>
+              </a:cxn>
+              <a:cxn ang="0">
+                <a:pos x="connsiteX13" y="connsiteY13"/>
+              </a:cxn>
+              <a:cxn ang="0">
+                <a:pos x="connsiteX14" y="connsiteY14"/>
+              </a:cxn>
+              <a:cxn ang="0">
+                <a:pos x="connsiteX15" y="connsiteY15"/>
+              </a:cxn>
+              <a:cxn ang="0">
+                <a:pos x="connsiteX16" y="connsiteY16"/>
+              </a:cxn>
+              <a:cxn ang="0">
+                <a:pos x="connsiteX17" y="connsiteY17"/>
+              </a:cxn>
+              <a:cxn ang="0">
+                <a:pos x="connsiteX18" y="connsiteY18"/>
+              </a:cxn>
+              <a:cxn ang="0">
+                <a:pos x="connsiteX19" y="connsiteY19"/>
+              </a:cxn>
+              <a:cxn ang="0">
+                <a:pos x="connsiteX20" y="connsiteY20"/>
+              </a:cxn>
+              <a:cxn ang="0">
+                <a:pos x="connsiteX21" y="connsiteY21"/>
+              </a:cxn>
+            </a:cxnLst>
+            <a:rect l="l" t="t" r="r" b="b"/>
+            <a:pathLst>
+              <a:path w="659684" h="1782867">
+                <a:moveTo>
+                  <a:pt x="1056" y="1719743"/>
+                </a:moveTo>
+                <a:cubicBezTo>
+                  <a:pt x="3852" y="1736521"/>
+                  <a:pt x="-7234" y="1766741"/>
+                  <a:pt x="9445" y="1770077"/>
+                </a:cubicBezTo>
+                <a:cubicBezTo>
+                  <a:pt x="187839" y="1805756"/>
+                  <a:pt x="131476" y="1761450"/>
+                  <a:pt x="227559" y="1702965"/>
+                </a:cubicBezTo>
+                <a:cubicBezTo>
+                  <a:pt x="270288" y="1676956"/>
+                  <a:pt x="317434" y="1658992"/>
+                  <a:pt x="361783" y="1635853"/>
+                </a:cubicBezTo>
+                <a:cubicBezTo>
+                  <a:pt x="381771" y="1625425"/>
+                  <a:pt x="402470" y="1615824"/>
+                  <a:pt x="420506" y="1602297"/>
+                </a:cubicBezTo>
+                <a:cubicBezTo>
+                  <a:pt x="436324" y="1590433"/>
+                  <a:pt x="448996" y="1574842"/>
+                  <a:pt x="462451" y="1560352"/>
+                </a:cubicBezTo>
+                <a:cubicBezTo>
+                  <a:pt x="485363" y="1535677"/>
+                  <a:pt x="511212" y="1513083"/>
+                  <a:pt x="529563" y="1484851"/>
+                </a:cubicBezTo>
+                <a:cubicBezTo>
+                  <a:pt x="542346" y="1465186"/>
+                  <a:pt x="587256" y="1357484"/>
+                  <a:pt x="596675" y="1325461"/>
+                </a:cubicBezTo>
+                <a:cubicBezTo>
+                  <a:pt x="603950" y="1300728"/>
+                  <a:pt x="606178" y="1274693"/>
+                  <a:pt x="613453" y="1249960"/>
+                </a:cubicBezTo>
+                <a:cubicBezTo>
+                  <a:pt x="620194" y="1227039"/>
+                  <a:pt x="630231" y="1205219"/>
+                  <a:pt x="638620" y="1182848"/>
+                </a:cubicBezTo>
+                <a:cubicBezTo>
+                  <a:pt x="663513" y="946367"/>
+                  <a:pt x="669727" y="963240"/>
+                  <a:pt x="638620" y="645952"/>
+                </a:cubicBezTo>
+                <a:cubicBezTo>
+                  <a:pt x="636790" y="627283"/>
+                  <a:pt x="623524" y="611444"/>
+                  <a:pt x="613453" y="595618"/>
+                </a:cubicBezTo>
+                <a:cubicBezTo>
+                  <a:pt x="561487" y="513957"/>
+                  <a:pt x="599846" y="586511"/>
+                  <a:pt x="554730" y="528506"/>
+                </a:cubicBezTo>
+                <a:cubicBezTo>
+                  <a:pt x="542350" y="512589"/>
+                  <a:pt x="535432" y="492431"/>
+                  <a:pt x="521174" y="478173"/>
+                </a:cubicBezTo>
+                <a:cubicBezTo>
+                  <a:pt x="399949" y="356949"/>
+                  <a:pt x="522067" y="517834"/>
+                  <a:pt x="412117" y="385894"/>
+                </a:cubicBezTo>
+                <a:cubicBezTo>
+                  <a:pt x="399208" y="370403"/>
+                  <a:pt x="387579" y="353596"/>
+                  <a:pt x="378561" y="335560"/>
+                </a:cubicBezTo>
+                <a:cubicBezTo>
+                  <a:pt x="359084" y="296606"/>
+                  <a:pt x="354489" y="272829"/>
+                  <a:pt x="345005" y="234892"/>
+                </a:cubicBezTo>
+                <a:cubicBezTo>
+                  <a:pt x="349649" y="195420"/>
+                  <a:pt x="343929" y="104899"/>
+                  <a:pt x="378561" y="58723"/>
+                </a:cubicBezTo>
+                <a:cubicBezTo>
+                  <a:pt x="388052" y="46068"/>
+                  <a:pt x="398189" y="32667"/>
+                  <a:pt x="412117" y="25167"/>
+                </a:cubicBezTo>
+                <a:cubicBezTo>
+                  <a:pt x="435474" y="12590"/>
+                  <a:pt x="487618" y="0"/>
+                  <a:pt x="487618" y="0"/>
+                </a:cubicBezTo>
+                <a:cubicBezTo>
+                  <a:pt x="515581" y="2796"/>
+                  <a:pt x="544648" y="124"/>
+                  <a:pt x="571508" y="8389"/>
+                </a:cubicBezTo>
+                <a:cubicBezTo>
+                  <a:pt x="582847" y="11878"/>
+                  <a:pt x="596675" y="33556"/>
+                  <a:pt x="596675" y="33556"/>
+                </a:cubicBezTo>
+              </a:path>
+            </a:pathLst>
+          </a:custGeom>
+          <a:noFill/>
         </p:spPr>
         <p:style>
           <a:lnRef idx="2">
@@ -7996,20 +8166,16 @@
           <a:lstStyle/>
           <a:p>
             <a:pPr algn="ctr"/>
-            <a:r>
-              <a:rPr lang="en-US" dirty="0" err="1"/>
-              <a:t>TCP_server</a:t>
-            </a:r>
-            <a:endParaRPr lang="en-US" dirty="0"/>
-          </a:p>
-        </p:txBody>
-      </p:sp>
-      <p:sp>
-        <p:nvSpPr>
-          <p:cNvPr id="28" name="楕円 27">
+            <a:endParaRPr lang="en-US"/>
+          </a:p>
+        </p:txBody>
+      </p:sp>
+      <p:sp>
+        <p:nvSpPr>
+          <p:cNvPr id="3" name="フリーフォーム: 図形 2">
             <a:extLst>
               <a:ext uri="{FF2B5EF4-FFF2-40B4-BE49-F238E27FC236}">
-                <a16:creationId xmlns:a16="http://schemas.microsoft.com/office/drawing/2014/main" id="{33CB8B4C-CCDB-409A-BDC5-0B2B63A4D2A1}"/>
+                <a16:creationId xmlns:a16="http://schemas.microsoft.com/office/drawing/2014/main" id="{B4456E55-976D-494C-AEF1-F98894999F37}"/>
               </a:ext>
             </a:extLst>
           </p:cNvPr>
@@ -8018,12 +8184,205 @@
         </p:nvSpPr>
         <p:spPr>
           <a:xfrm>
-            <a:off x="1923228" y="4799173"/>
-            <a:ext cx="2263994" cy="897622"/>
+            <a:off x="4001549" y="3523376"/>
+            <a:ext cx="3523376" cy="494951"/>
           </a:xfrm>
-          <a:prstGeom prst="ellipse">
+          <a:custGeom>
             <a:avLst/>
-          </a:prstGeom>
+            <a:gdLst>
+              <a:gd name="connsiteX0" fmla="*/ 0 w 3523376"/>
+              <a:gd name="connsiteY0" fmla="*/ 335560 h 494951"/>
+              <a:gd name="connsiteX1" fmla="*/ 151001 w 3523376"/>
+              <a:gd name="connsiteY1" fmla="*/ 444617 h 494951"/>
+              <a:gd name="connsiteX2" fmla="*/ 570451 w 3523376"/>
+              <a:gd name="connsiteY2" fmla="*/ 494951 h 494951"/>
+              <a:gd name="connsiteX3" fmla="*/ 906011 w 3523376"/>
+              <a:gd name="connsiteY3" fmla="*/ 385894 h 494951"/>
+              <a:gd name="connsiteX4" fmla="*/ 1073790 w 3523376"/>
+              <a:gd name="connsiteY4" fmla="*/ 335560 h 494951"/>
+              <a:gd name="connsiteX5" fmla="*/ 1166069 w 3523376"/>
+              <a:gd name="connsiteY5" fmla="*/ 293615 h 494951"/>
+              <a:gd name="connsiteX6" fmla="*/ 1333849 w 3523376"/>
+              <a:gd name="connsiteY6" fmla="*/ 268448 h 494951"/>
+              <a:gd name="connsiteX7" fmla="*/ 1686187 w 3523376"/>
+              <a:gd name="connsiteY7" fmla="*/ 209725 h 494951"/>
+              <a:gd name="connsiteX8" fmla="*/ 1895912 w 3523376"/>
+              <a:gd name="connsiteY8" fmla="*/ 159391 h 494951"/>
+              <a:gd name="connsiteX9" fmla="*/ 2030135 w 3523376"/>
+              <a:gd name="connsiteY9" fmla="*/ 151002 h 494951"/>
+              <a:gd name="connsiteX10" fmla="*/ 2499919 w 3523376"/>
+              <a:gd name="connsiteY10" fmla="*/ 125835 h 494951"/>
+              <a:gd name="connsiteX11" fmla="*/ 2600587 w 3523376"/>
+              <a:gd name="connsiteY11" fmla="*/ 109057 h 494951"/>
+              <a:gd name="connsiteX12" fmla="*/ 2776756 w 3523376"/>
+              <a:gd name="connsiteY12" fmla="*/ 75501 h 494951"/>
+              <a:gd name="connsiteX13" fmla="*/ 2860645 w 3523376"/>
+              <a:gd name="connsiteY13" fmla="*/ 67112 h 494951"/>
+              <a:gd name="connsiteX14" fmla="*/ 2961313 w 3523376"/>
+              <a:gd name="connsiteY14" fmla="*/ 25167 h 494951"/>
+              <a:gd name="connsiteX15" fmla="*/ 3103926 w 3523376"/>
+              <a:gd name="connsiteY15" fmla="*/ 0 h 494951"/>
+              <a:gd name="connsiteX16" fmla="*/ 3431097 w 3523376"/>
+              <a:gd name="connsiteY16" fmla="*/ 8389 h 494951"/>
+              <a:gd name="connsiteX17" fmla="*/ 3473042 w 3523376"/>
+              <a:gd name="connsiteY17" fmla="*/ 50334 h 494951"/>
+              <a:gd name="connsiteX18" fmla="*/ 3523376 w 3523376"/>
+              <a:gd name="connsiteY18" fmla="*/ 58723 h 494951"/>
+            </a:gdLst>
+            <a:ahLst/>
+            <a:cxnLst>
+              <a:cxn ang="0">
+                <a:pos x="connsiteX0" y="connsiteY0"/>
+              </a:cxn>
+              <a:cxn ang="0">
+                <a:pos x="connsiteX1" y="connsiteY1"/>
+              </a:cxn>
+              <a:cxn ang="0">
+                <a:pos x="connsiteX2" y="connsiteY2"/>
+              </a:cxn>
+              <a:cxn ang="0">
+                <a:pos x="connsiteX3" y="connsiteY3"/>
+              </a:cxn>
+              <a:cxn ang="0">
+                <a:pos x="connsiteX4" y="connsiteY4"/>
+              </a:cxn>
+              <a:cxn ang="0">
+                <a:pos x="connsiteX5" y="connsiteY5"/>
+              </a:cxn>
+              <a:cxn ang="0">
+                <a:pos x="connsiteX6" y="connsiteY6"/>
+              </a:cxn>
+              <a:cxn ang="0">
+                <a:pos x="connsiteX7" y="connsiteY7"/>
+              </a:cxn>
+              <a:cxn ang="0">
+                <a:pos x="connsiteX8" y="connsiteY8"/>
+              </a:cxn>
+              <a:cxn ang="0">
+                <a:pos x="connsiteX9" y="connsiteY9"/>
+              </a:cxn>
+              <a:cxn ang="0">
+                <a:pos x="connsiteX10" y="connsiteY10"/>
+              </a:cxn>
+              <a:cxn ang="0">
+                <a:pos x="connsiteX11" y="connsiteY11"/>
+              </a:cxn>
+              <a:cxn ang="0">
+                <a:pos x="connsiteX12" y="connsiteY12"/>
+              </a:cxn>
+              <a:cxn ang="0">
+                <a:pos x="connsiteX13" y="connsiteY13"/>
+              </a:cxn>
+              <a:cxn ang="0">
+                <a:pos x="connsiteX14" y="connsiteY14"/>
+              </a:cxn>
+              <a:cxn ang="0">
+                <a:pos x="connsiteX15" y="connsiteY15"/>
+              </a:cxn>
+              <a:cxn ang="0">
+                <a:pos x="connsiteX16" y="connsiteY16"/>
+              </a:cxn>
+              <a:cxn ang="0">
+                <a:pos x="connsiteX17" y="connsiteY17"/>
+              </a:cxn>
+              <a:cxn ang="0">
+                <a:pos x="connsiteX18" y="connsiteY18"/>
+              </a:cxn>
+            </a:cxnLst>
+            <a:rect l="l" t="t" r="r" b="b"/>
+            <a:pathLst>
+              <a:path w="3523376" h="494951">
+                <a:moveTo>
+                  <a:pt x="0" y="335560"/>
+                </a:moveTo>
+                <a:cubicBezTo>
+                  <a:pt x="31489" y="414284"/>
+                  <a:pt x="16152" y="402878"/>
+                  <a:pt x="151001" y="444617"/>
+                </a:cubicBezTo>
+                <a:cubicBezTo>
+                  <a:pt x="310763" y="494067"/>
+                  <a:pt x="407927" y="488179"/>
+                  <a:pt x="570451" y="494951"/>
+                </a:cubicBezTo>
+                <a:cubicBezTo>
+                  <a:pt x="911825" y="426676"/>
+                  <a:pt x="407137" y="535557"/>
+                  <a:pt x="906011" y="385894"/>
+                </a:cubicBezTo>
+                <a:cubicBezTo>
+                  <a:pt x="961937" y="369116"/>
+                  <a:pt x="1018763" y="355086"/>
+                  <a:pt x="1073790" y="335560"/>
+                </a:cubicBezTo>
+                <a:cubicBezTo>
+                  <a:pt x="1105633" y="324261"/>
+                  <a:pt x="1133353" y="302058"/>
+                  <a:pt x="1166069" y="293615"/>
+                </a:cubicBezTo>
+                <a:cubicBezTo>
+                  <a:pt x="1220827" y="279484"/>
+                  <a:pt x="1278018" y="277453"/>
+                  <a:pt x="1333849" y="268448"/>
+                </a:cubicBezTo>
+                <a:cubicBezTo>
+                  <a:pt x="1451396" y="249489"/>
+                  <a:pt x="1570409" y="237512"/>
+                  <a:pt x="1686187" y="209725"/>
+                </a:cubicBezTo>
+                <a:cubicBezTo>
+                  <a:pt x="1756095" y="192947"/>
+                  <a:pt x="1825044" y="171490"/>
+                  <a:pt x="1895912" y="159391"/>
+                </a:cubicBezTo>
+                <a:cubicBezTo>
+                  <a:pt x="1940101" y="151847"/>
+                  <a:pt x="1985376" y="153489"/>
+                  <a:pt x="2030135" y="151002"/>
+                </a:cubicBezTo>
+                <a:lnTo>
+                  <a:pt x="2499919" y="125835"/>
+                </a:lnTo>
+                <a:lnTo>
+                  <a:pt x="2600587" y="109057"/>
+                </a:lnTo>
+                <a:cubicBezTo>
+                  <a:pt x="2659402" y="98363"/>
+                  <a:pt x="2717274" y="81449"/>
+                  <a:pt x="2776756" y="75501"/>
+                </a:cubicBezTo>
+                <a:lnTo>
+                  <a:pt x="2860645" y="67112"/>
+                </a:lnTo>
+                <a:cubicBezTo>
+                  <a:pt x="2894201" y="53130"/>
+                  <a:pt x="2926046" y="33984"/>
+                  <a:pt x="2961313" y="25167"/>
+                </a:cubicBezTo>
+                <a:cubicBezTo>
+                  <a:pt x="3205515" y="-35884"/>
+                  <a:pt x="2973238" y="52275"/>
+                  <a:pt x="3103926" y="0"/>
+                </a:cubicBezTo>
+                <a:cubicBezTo>
+                  <a:pt x="3212983" y="2796"/>
+                  <a:pt x="3322281" y="616"/>
+                  <a:pt x="3431097" y="8389"/>
+                </a:cubicBezTo>
+                <a:cubicBezTo>
+                  <a:pt x="3458731" y="10363"/>
+                  <a:pt x="3456593" y="37175"/>
+                  <a:pt x="3473042" y="50334"/>
+                </a:cubicBezTo>
+                <a:cubicBezTo>
+                  <a:pt x="3486844" y="61376"/>
+                  <a:pt x="3507698" y="58723"/>
+                  <a:pt x="3523376" y="58723"/>
+                </a:cubicBezTo>
+              </a:path>
+            </a:pathLst>
+          </a:custGeom>
+          <a:noFill/>
         </p:spPr>
         <p:style>
           <a:lnRef idx="2">
@@ -8046,182 +8405,16 @@
           <a:lstStyle/>
           <a:p>
             <a:pPr algn="ctr"/>
-            <a:r>
-              <a:rPr lang="en-US" dirty="0" err="1"/>
-              <a:t>TCP_client</a:t>
-            </a:r>
-            <a:endParaRPr lang="en-US" dirty="0"/>
-          </a:p>
-        </p:txBody>
-      </p:sp>
-      <p:sp>
-        <p:nvSpPr>
-          <p:cNvPr id="29" name="吹き出し: 四角形 28">
+            <a:endParaRPr lang="en-US"/>
+          </a:p>
+        </p:txBody>
+      </p:sp>
+      <p:sp>
+        <p:nvSpPr>
+          <p:cNvPr id="5" name="テキスト ボックス 4">
             <a:extLst>
               <a:ext uri="{FF2B5EF4-FFF2-40B4-BE49-F238E27FC236}">
-                <a16:creationId xmlns:a16="http://schemas.microsoft.com/office/drawing/2014/main" id="{660B5A38-312E-4562-9DA1-BE704A81CFEC}"/>
-              </a:ext>
-            </a:extLst>
-          </p:cNvPr>
-          <p:cNvSpPr/>
-          <p:nvPr/>
-        </p:nvSpPr>
-        <p:spPr>
-          <a:xfrm>
-            <a:off x="5672925" y="1769621"/>
-            <a:ext cx="1361487" cy="1142999"/>
-          </a:xfrm>
-          <a:prstGeom prst="wedgeRectCallout">
-            <a:avLst/>
-          </a:prstGeom>
-        </p:spPr>
-        <p:style>
-          <a:lnRef idx="2">
-            <a:schemeClr val="accent1">
-              <a:shade val="50000"/>
-            </a:schemeClr>
-          </a:lnRef>
-          <a:fillRef idx="1">
-            <a:schemeClr val="accent1"/>
-          </a:fillRef>
-          <a:effectRef idx="0">
-            <a:schemeClr val="accent1"/>
-          </a:effectRef>
-          <a:fontRef idx="minor">
-            <a:schemeClr val="lt1"/>
-          </a:fontRef>
-        </p:style>
-        <p:txBody>
-          <a:bodyPr rtlCol="0" anchor="ctr"/>
-          <a:lstStyle/>
-          <a:p>
-            <a:r>
-              <a:rPr lang="en-US" dirty="0"/>
-              <a:t>Message ex.</a:t>
-            </a:r>
-            <a:endParaRPr kumimoji="1" lang="en-US" dirty="0"/>
-          </a:p>
-          <a:p>
-            <a:r>
-              <a:rPr kumimoji="1" lang="en-US" dirty="0"/>
-              <a:t>1: (</a:t>
-            </a:r>
-            <a:r>
-              <a:rPr kumimoji="1" lang="en-US" dirty="0" err="1"/>
-              <a:t>x,y,z,r</a:t>
-            </a:r>
-            <a:r>
-              <a:rPr kumimoji="1" lang="en-US" dirty="0"/>
-              <a:t>)</a:t>
-            </a:r>
-          </a:p>
-          <a:p>
-            <a:r>
-              <a:rPr lang="en-US" dirty="0"/>
-              <a:t>2: IO on/off</a:t>
-            </a:r>
-            <a:endParaRPr kumimoji="1" lang="en-US" dirty="0"/>
-          </a:p>
-        </p:txBody>
-      </p:sp>
-      <p:sp>
-        <p:nvSpPr>
-          <p:cNvPr id="30" name="矢印: 右 29">
-            <a:extLst>
-              <a:ext uri="{FF2B5EF4-FFF2-40B4-BE49-F238E27FC236}">
-                <a16:creationId xmlns:a16="http://schemas.microsoft.com/office/drawing/2014/main" id="{D39DC541-3BBD-4B43-AC61-50718F1DD80B}"/>
-              </a:ext>
-            </a:extLst>
-          </p:cNvPr>
-          <p:cNvSpPr/>
-          <p:nvPr/>
-        </p:nvSpPr>
-        <p:spPr>
-          <a:xfrm>
-            <a:off x="5462901" y="3185889"/>
-            <a:ext cx="1361487" cy="288032"/>
-          </a:xfrm>
-          <a:prstGeom prst="rightArrow">
-            <a:avLst/>
-          </a:prstGeom>
-        </p:spPr>
-        <p:style>
-          <a:lnRef idx="2">
-            <a:schemeClr val="accent1">
-              <a:shade val="50000"/>
-            </a:schemeClr>
-          </a:lnRef>
-          <a:fillRef idx="1">
-            <a:schemeClr val="accent1"/>
-          </a:fillRef>
-          <a:effectRef idx="0">
-            <a:schemeClr val="accent1"/>
-          </a:effectRef>
-          <a:fontRef idx="minor">
-            <a:schemeClr val="lt1"/>
-          </a:fontRef>
-        </p:style>
-        <p:txBody>
-          <a:bodyPr rtlCol="0" anchor="ctr"/>
-          <a:lstStyle/>
-          <a:p>
-            <a:pPr algn="ctr"/>
-            <a:endParaRPr kumimoji="1" lang="en-US"/>
-          </a:p>
-        </p:txBody>
-      </p:sp>
-      <p:sp>
-        <p:nvSpPr>
-          <p:cNvPr id="31" name="矢印: 右 30">
-            <a:extLst>
-              <a:ext uri="{FF2B5EF4-FFF2-40B4-BE49-F238E27FC236}">
-                <a16:creationId xmlns:a16="http://schemas.microsoft.com/office/drawing/2014/main" id="{2DB408F5-576A-48D2-B5E3-91A3443235A6}"/>
-              </a:ext>
-            </a:extLst>
-          </p:cNvPr>
-          <p:cNvSpPr/>
-          <p:nvPr/>
-        </p:nvSpPr>
-        <p:spPr>
-          <a:xfrm rot="10800000">
-            <a:off x="5462900" y="3558253"/>
-            <a:ext cx="1361487" cy="288032"/>
-          </a:xfrm>
-          <a:prstGeom prst="rightArrow">
-            <a:avLst/>
-          </a:prstGeom>
-        </p:spPr>
-        <p:style>
-          <a:lnRef idx="2">
-            <a:schemeClr val="accent1">
-              <a:shade val="50000"/>
-            </a:schemeClr>
-          </a:lnRef>
-          <a:fillRef idx="1">
-            <a:schemeClr val="accent1"/>
-          </a:fillRef>
-          <a:effectRef idx="0">
-            <a:schemeClr val="accent1"/>
-          </a:effectRef>
-          <a:fontRef idx="minor">
-            <a:schemeClr val="lt1"/>
-          </a:fontRef>
-        </p:style>
-        <p:txBody>
-          <a:bodyPr rtlCol="0" anchor="ctr"/>
-          <a:lstStyle/>
-          <a:p>
-            <a:pPr algn="ctr"/>
-            <a:endParaRPr kumimoji="1" lang="en-US"/>
-          </a:p>
-        </p:txBody>
-      </p:sp>
-      <p:sp>
-        <p:nvSpPr>
-          <p:cNvPr id="32" name="テキスト ボックス 31">
-            <a:extLst>
-              <a:ext uri="{FF2B5EF4-FFF2-40B4-BE49-F238E27FC236}">
-                <a16:creationId xmlns:a16="http://schemas.microsoft.com/office/drawing/2014/main" id="{4F09C3DB-357A-4A3D-A064-0A7FC69765EE}"/>
+                <a16:creationId xmlns:a16="http://schemas.microsoft.com/office/drawing/2014/main" id="{772C0D05-CB15-4E8A-B60A-5490DBA73EFB}"/>
               </a:ext>
             </a:extLst>
           </p:cNvPr>
@@ -8230,8 +8423,8 @@
         </p:nvSpPr>
         <p:spPr>
           <a:xfrm>
-            <a:off x="5876552" y="3952865"/>
-            <a:ext cx="534185" cy="369332"/>
+            <a:off x="4017671" y="5191447"/>
+            <a:ext cx="1954381" cy="1200329"/>
           </a:xfrm>
           <a:prstGeom prst="rect">
             <a:avLst/>
@@ -8245,8 +8438,299 @@
           <a:lstStyle/>
           <a:p>
             <a:r>
+              <a:rPr lang="ja-JP" altLang="en-US" dirty="0"/>
+              <a:t>・</a:t>
+            </a:r>
+            <a:r>
               <a:rPr lang="en-US" dirty="0"/>
-              <a:t>TCP</a:t>
+              <a:t>Windows10</a:t>
+            </a:r>
+          </a:p>
+          <a:p>
+            <a:r>
+              <a:rPr lang="ja-JP" altLang="en-US" dirty="0"/>
+              <a:t>・</a:t>
+            </a:r>
+            <a:r>
+              <a:rPr lang="en-US" dirty="0"/>
+              <a:t>DobotStudio2020</a:t>
+            </a:r>
+          </a:p>
+          <a:p>
+            <a:r>
+              <a:rPr lang="ja-JP" altLang="en-US" dirty="0"/>
+              <a:t>・</a:t>
+            </a:r>
+            <a:r>
+              <a:rPr lang="en-US" dirty="0"/>
+              <a:t>Script</a:t>
+            </a:r>
+          </a:p>
+          <a:p>
+            <a:r>
+              <a:rPr lang="ja-JP" altLang="en-US" dirty="0"/>
+              <a:t>・</a:t>
+            </a:r>
+            <a:r>
+              <a:rPr lang="en-US" dirty="0" err="1"/>
+              <a:t>TCPMotion.lua</a:t>
+            </a:r>
+            <a:endParaRPr lang="en-US" dirty="0"/>
+          </a:p>
+        </p:txBody>
+      </p:sp>
+      <p:sp>
+        <p:nvSpPr>
+          <p:cNvPr id="18" name="テキスト ボックス 17">
+            <a:extLst>
+              <a:ext uri="{FF2B5EF4-FFF2-40B4-BE49-F238E27FC236}">
+                <a16:creationId xmlns:a16="http://schemas.microsoft.com/office/drawing/2014/main" id="{761AB4E7-B592-46E0-9CE5-1A2E87F7A445}"/>
+              </a:ext>
+            </a:extLst>
+          </p:cNvPr>
+          <p:cNvSpPr txBox="1"/>
+          <p:nvPr/>
+        </p:nvSpPr>
+        <p:spPr>
+          <a:xfrm>
+            <a:off x="696703" y="2153879"/>
+            <a:ext cx="2358338" cy="923330"/>
+          </a:xfrm>
+          <a:prstGeom prst="rect">
+            <a:avLst/>
+          </a:prstGeom>
+          <a:noFill/>
+        </p:spPr>
+        <p:txBody>
+          <a:bodyPr wrap="none" rtlCol="0">
+            <a:spAutoFit/>
+          </a:bodyPr>
+          <a:lstStyle/>
+          <a:p>
+            <a:r>
+              <a:rPr lang="ja-JP" altLang="en-US" dirty="0"/>
+              <a:t>・</a:t>
+            </a:r>
+            <a:r>
+              <a:rPr lang="en-US" dirty="0"/>
+              <a:t>Ubuntu 18.04</a:t>
+            </a:r>
+          </a:p>
+          <a:p>
+            <a:r>
+              <a:rPr lang="ja-JP" altLang="en-US" dirty="0"/>
+              <a:t>・</a:t>
+            </a:r>
+            <a:r>
+              <a:rPr lang="en-US" dirty="0"/>
+              <a:t>Python3.6.9 </a:t>
+            </a:r>
+          </a:p>
+          <a:p>
+            <a:r>
+              <a:rPr lang="ja-JP" altLang="en-US" dirty="0"/>
+              <a:t>・</a:t>
+            </a:r>
+            <a:r>
+              <a:rPr lang="en-US" dirty="0"/>
+              <a:t>TCP_motion_client.py</a:t>
+            </a:r>
+          </a:p>
+        </p:txBody>
+      </p:sp>
+      <p:sp>
+        <p:nvSpPr>
+          <p:cNvPr id="6" name="テキスト ボックス 5">
+            <a:extLst>
+              <a:ext uri="{FF2B5EF4-FFF2-40B4-BE49-F238E27FC236}">
+                <a16:creationId xmlns:a16="http://schemas.microsoft.com/office/drawing/2014/main" id="{552C754C-7F9F-445E-B2EA-104FD4089E97}"/>
+              </a:ext>
+            </a:extLst>
+          </p:cNvPr>
+          <p:cNvSpPr txBox="1"/>
+          <p:nvPr/>
+        </p:nvSpPr>
+        <p:spPr>
+          <a:xfrm>
+            <a:off x="5020996" y="3445054"/>
+            <a:ext cx="1368993" cy="246221"/>
+          </a:xfrm>
+          <a:prstGeom prst="rect">
+            <a:avLst/>
+          </a:prstGeom>
+          <a:noFill/>
+        </p:spPr>
+        <p:txBody>
+          <a:bodyPr wrap="square" rtlCol="0">
+            <a:spAutoFit/>
+          </a:bodyPr>
+          <a:lstStyle/>
+          <a:p>
+            <a:r>
+              <a:rPr lang="en-US" sz="1000" dirty="0"/>
+              <a:t>MG400 LAN2</a:t>
+            </a:r>
+            <a:r>
+              <a:rPr lang="ja-JP" altLang="en-US" sz="1000" dirty="0"/>
+              <a:t>へ接続</a:t>
+            </a:r>
+            <a:endParaRPr lang="en-US" sz="1000" dirty="0"/>
+          </a:p>
+        </p:txBody>
+      </p:sp>
+      <p:sp>
+        <p:nvSpPr>
+          <p:cNvPr id="25" name="テキスト ボックス 24">
+            <a:extLst>
+              <a:ext uri="{FF2B5EF4-FFF2-40B4-BE49-F238E27FC236}">
+                <a16:creationId xmlns:a16="http://schemas.microsoft.com/office/drawing/2014/main" id="{8F37812E-C31C-45C0-BADD-FD6134104CF9}"/>
+              </a:ext>
+            </a:extLst>
+          </p:cNvPr>
+          <p:cNvSpPr txBox="1"/>
+          <p:nvPr/>
+        </p:nvSpPr>
+        <p:spPr>
+          <a:xfrm>
+            <a:off x="7530454" y="4736537"/>
+            <a:ext cx="1368993" cy="246221"/>
+          </a:xfrm>
+          <a:prstGeom prst="rect">
+            <a:avLst/>
+          </a:prstGeom>
+          <a:noFill/>
+        </p:spPr>
+        <p:txBody>
+          <a:bodyPr wrap="square" rtlCol="0">
+            <a:spAutoFit/>
+          </a:bodyPr>
+          <a:lstStyle/>
+          <a:p>
+            <a:r>
+              <a:rPr lang="en-US" sz="1000" dirty="0"/>
+              <a:t>MG400 LAN1</a:t>
+            </a:r>
+            <a:r>
+              <a:rPr lang="ja-JP" altLang="en-US" sz="1000" dirty="0"/>
+              <a:t>へ接続</a:t>
+            </a:r>
+            <a:endParaRPr lang="en-US" sz="1000" dirty="0"/>
+          </a:p>
+        </p:txBody>
+      </p:sp>
+      <p:sp>
+        <p:nvSpPr>
+          <p:cNvPr id="7" name="テキスト ボックス 6">
+            <a:extLst>
+              <a:ext uri="{FF2B5EF4-FFF2-40B4-BE49-F238E27FC236}">
+                <a16:creationId xmlns:a16="http://schemas.microsoft.com/office/drawing/2014/main" id="{179C3BD1-00E6-468E-8EEC-1F6AEBF8145E}"/>
+              </a:ext>
+            </a:extLst>
+          </p:cNvPr>
+          <p:cNvSpPr txBox="1"/>
+          <p:nvPr/>
+        </p:nvSpPr>
+        <p:spPr>
+          <a:xfrm>
+            <a:off x="3591024" y="4087481"/>
+            <a:ext cx="1066318" cy="246221"/>
+          </a:xfrm>
+          <a:prstGeom prst="rect">
+            <a:avLst/>
+          </a:prstGeom>
+          <a:noFill/>
+        </p:spPr>
+        <p:txBody>
+          <a:bodyPr wrap="none" rtlCol="0">
+            <a:spAutoFit/>
+          </a:bodyPr>
+          <a:lstStyle/>
+          <a:p>
+            <a:r>
+              <a:rPr lang="en-US" sz="1000" dirty="0"/>
+              <a:t>Ip:192.168.2.***</a:t>
+            </a:r>
+          </a:p>
+        </p:txBody>
+      </p:sp>
+      <p:sp>
+        <p:nvSpPr>
+          <p:cNvPr id="26" name="テキスト ボックス 25">
+            <a:extLst>
+              <a:ext uri="{FF2B5EF4-FFF2-40B4-BE49-F238E27FC236}">
+                <a16:creationId xmlns:a16="http://schemas.microsoft.com/office/drawing/2014/main" id="{493BA2B9-00C9-48AF-A1EB-792B41B2385C}"/>
+              </a:ext>
+            </a:extLst>
+          </p:cNvPr>
+          <p:cNvSpPr txBox="1"/>
+          <p:nvPr/>
+        </p:nvSpPr>
+        <p:spPr>
+          <a:xfrm>
+            <a:off x="6473495" y="2061546"/>
+            <a:ext cx="1117614" cy="553998"/>
+          </a:xfrm>
+          <a:prstGeom prst="rect">
+            <a:avLst/>
+          </a:prstGeom>
+          <a:noFill/>
+        </p:spPr>
+        <p:txBody>
+          <a:bodyPr wrap="none" rtlCol="0">
+            <a:spAutoFit/>
+          </a:bodyPr>
+          <a:lstStyle/>
+          <a:p>
+            <a:r>
+              <a:rPr lang="en-US" sz="1000" dirty="0"/>
+              <a:t>MG400 IP</a:t>
+            </a:r>
+          </a:p>
+          <a:p>
+            <a:r>
+              <a:rPr lang="en-US" sz="1000" dirty="0"/>
+              <a:t>LAN1:192.168.1.6</a:t>
+            </a:r>
+          </a:p>
+          <a:p>
+            <a:r>
+              <a:rPr lang="en-US" sz="1000" dirty="0"/>
+              <a:t>LAN2:192.168.2.6</a:t>
+            </a:r>
+          </a:p>
+        </p:txBody>
+      </p:sp>
+      <p:sp>
+        <p:nvSpPr>
+          <p:cNvPr id="34" name="テキスト ボックス 33">
+            <a:extLst>
+              <a:ext uri="{FF2B5EF4-FFF2-40B4-BE49-F238E27FC236}">
+                <a16:creationId xmlns:a16="http://schemas.microsoft.com/office/drawing/2014/main" id="{12248134-7E8F-4F7D-A06A-B94E950F396B}"/>
+              </a:ext>
+            </a:extLst>
+          </p:cNvPr>
+          <p:cNvSpPr txBox="1"/>
+          <p:nvPr/>
+        </p:nvSpPr>
+        <p:spPr>
+          <a:xfrm>
+            <a:off x="6708155" y="5445884"/>
+            <a:ext cx="1066318" cy="246221"/>
+          </a:xfrm>
+          <a:prstGeom prst="rect">
+            <a:avLst/>
+          </a:prstGeom>
+          <a:noFill/>
+        </p:spPr>
+        <p:txBody>
+          <a:bodyPr wrap="none" rtlCol="0">
+            <a:spAutoFit/>
+          </a:bodyPr>
+          <a:lstStyle/>
+          <a:p>
+            <a:r>
+              <a:rPr lang="en-US" sz="1000" dirty="0"/>
+              <a:t>Ip:192.168.1.***</a:t>
             </a:r>
           </a:p>
         </p:txBody>
@@ -8255,6 +8739,86 @@
     <p:extLst>
       <p:ext uri="{BB962C8B-B14F-4D97-AF65-F5344CB8AC3E}">
         <p14:creationId xmlns:p14="http://schemas.microsoft.com/office/powerpoint/2010/main" val="1798693556"/>
+      </p:ext>
+    </p:extLst>
+  </p:cSld>
+  <p:clrMapOvr>
+    <a:masterClrMapping/>
+  </p:clrMapOvr>
+</p:sld>
+</file>
+
+<file path=ppt/slides/slide3.xml><?xml version="1.0" encoding="utf-8"?>
+<p:sld xmlns:a="http://schemas.openxmlformats.org/drawingml/2006/main" xmlns:r="http://schemas.openxmlformats.org/officeDocument/2006/relationships" xmlns:p="http://schemas.openxmlformats.org/presentationml/2006/main">
+  <p:cSld>
+    <p:spTree>
+      <p:nvGrpSpPr>
+        <p:cNvPr id="1" name=""/>
+        <p:cNvGrpSpPr/>
+        <p:nvPr/>
+      </p:nvGrpSpPr>
+      <p:grpSpPr>
+        <a:xfrm>
+          <a:off x="0" y="0"/>
+          <a:ext cx="0" cy="0"/>
+          <a:chOff x="0" y="0"/>
+          <a:chExt cx="0" cy="0"/>
+        </a:xfrm>
+      </p:grpSpPr>
+      <p:sp>
+        <p:nvSpPr>
+          <p:cNvPr id="2" name="タイトル 1">
+            <a:extLst>
+              <a:ext uri="{FF2B5EF4-FFF2-40B4-BE49-F238E27FC236}">
+                <a16:creationId xmlns:a16="http://schemas.microsoft.com/office/drawing/2014/main" id="{5FAD8E7A-F3F7-416A-8AA9-6F22879FBB13}"/>
+              </a:ext>
+            </a:extLst>
+          </p:cNvPr>
+          <p:cNvSpPr>
+            <a:spLocks noGrp="1"/>
+          </p:cNvSpPr>
+          <p:nvPr>
+            <p:ph type="title"/>
+          </p:nvPr>
+        </p:nvSpPr>
+        <p:spPr/>
+        <p:txBody>
+          <a:bodyPr/>
+          <a:lstStyle/>
+          <a:p>
+            <a:endParaRPr lang="en-US"/>
+          </a:p>
+        </p:txBody>
+      </p:sp>
+      <p:sp>
+        <p:nvSpPr>
+          <p:cNvPr id="3" name="コンテンツ プレースホルダー 2">
+            <a:extLst>
+              <a:ext uri="{FF2B5EF4-FFF2-40B4-BE49-F238E27FC236}">
+                <a16:creationId xmlns:a16="http://schemas.microsoft.com/office/drawing/2014/main" id="{70DF5321-4DFC-4442-91DF-E319B2B1A32D}"/>
+              </a:ext>
+            </a:extLst>
+          </p:cNvPr>
+          <p:cNvSpPr>
+            <a:spLocks noGrp="1"/>
+          </p:cNvSpPr>
+          <p:nvPr>
+            <p:ph idx="1"/>
+          </p:nvPr>
+        </p:nvSpPr>
+        <p:spPr/>
+        <p:txBody>
+          <a:bodyPr/>
+          <a:lstStyle/>
+          <a:p>
+            <a:endParaRPr lang="en-US"/>
+          </a:p>
+        </p:txBody>
+      </p:sp>
+    </p:spTree>
+    <p:extLst>
+      <p:ext uri="{BB962C8B-B14F-4D97-AF65-F5344CB8AC3E}">
+        <p14:creationId xmlns:p14="http://schemas.microsoft.com/office/powerpoint/2010/main" val="1759947397"/>
       </p:ext>
     </p:extLst>
   </p:cSld>
